--- a/Diagramas.pptx
+++ b/Diagramas.pptx
@@ -263,7 +263,7 @@
           <a:p>
             <a:fld id="{DA33C3A4-75DC-48F4-9106-E88D4B928EE1}" type="datetimeFigureOut">
               <a:rPr lang="es-AR" smtClean="0"/>
-              <a:t>14/5/2019</a:t>
+              <a:t>1/7/2019</a:t>
             </a:fld>
             <a:endParaRPr lang="es-AR"/>
           </a:p>
@@ -317,7 +317,7 @@
           <a:p>
             <a:fld id="{3E4E1C75-E52C-41FC-9219-2D5B2FD2111B}" type="slidenum">
               <a:rPr lang="es-AR" smtClean="0"/>
-              <a:t>‹#›</a:t>
+              <a:t>‹Nº›</a:t>
             </a:fld>
             <a:endParaRPr lang="es-AR"/>
           </a:p>
@@ -463,7 +463,7 @@
           <a:p>
             <a:fld id="{DA33C3A4-75DC-48F4-9106-E88D4B928EE1}" type="datetimeFigureOut">
               <a:rPr lang="es-AR" smtClean="0"/>
-              <a:t>14/5/2019</a:t>
+              <a:t>1/7/2019</a:t>
             </a:fld>
             <a:endParaRPr lang="es-AR"/>
           </a:p>
@@ -517,7 +517,7 @@
           <a:p>
             <a:fld id="{3E4E1C75-E52C-41FC-9219-2D5B2FD2111B}" type="slidenum">
               <a:rPr lang="es-AR" smtClean="0"/>
-              <a:t>‹#›</a:t>
+              <a:t>‹Nº›</a:t>
             </a:fld>
             <a:endParaRPr lang="es-AR"/>
           </a:p>
@@ -673,7 +673,7 @@
           <a:p>
             <a:fld id="{DA33C3A4-75DC-48F4-9106-E88D4B928EE1}" type="datetimeFigureOut">
               <a:rPr lang="es-AR" smtClean="0"/>
-              <a:t>14/5/2019</a:t>
+              <a:t>1/7/2019</a:t>
             </a:fld>
             <a:endParaRPr lang="es-AR"/>
           </a:p>
@@ -727,7 +727,7 @@
           <a:p>
             <a:fld id="{3E4E1C75-E52C-41FC-9219-2D5B2FD2111B}" type="slidenum">
               <a:rPr lang="es-AR" smtClean="0"/>
-              <a:t>‹#›</a:t>
+              <a:t>‹Nº›</a:t>
             </a:fld>
             <a:endParaRPr lang="es-AR"/>
           </a:p>
@@ -873,7 +873,7 @@
           <a:p>
             <a:fld id="{DA33C3A4-75DC-48F4-9106-E88D4B928EE1}" type="datetimeFigureOut">
               <a:rPr lang="es-AR" smtClean="0"/>
-              <a:t>14/5/2019</a:t>
+              <a:t>1/7/2019</a:t>
             </a:fld>
             <a:endParaRPr lang="es-AR"/>
           </a:p>
@@ -927,7 +927,7 @@
           <a:p>
             <a:fld id="{3E4E1C75-E52C-41FC-9219-2D5B2FD2111B}" type="slidenum">
               <a:rPr lang="es-AR" smtClean="0"/>
-              <a:t>‹#›</a:t>
+              <a:t>‹Nº›</a:t>
             </a:fld>
             <a:endParaRPr lang="es-AR"/>
           </a:p>
@@ -1149,7 +1149,7 @@
           <a:p>
             <a:fld id="{DA33C3A4-75DC-48F4-9106-E88D4B928EE1}" type="datetimeFigureOut">
               <a:rPr lang="es-AR" smtClean="0"/>
-              <a:t>14/5/2019</a:t>
+              <a:t>1/7/2019</a:t>
             </a:fld>
             <a:endParaRPr lang="es-AR"/>
           </a:p>
@@ -1203,7 +1203,7 @@
           <a:p>
             <a:fld id="{3E4E1C75-E52C-41FC-9219-2D5B2FD2111B}" type="slidenum">
               <a:rPr lang="es-AR" smtClean="0"/>
-              <a:t>‹#›</a:t>
+              <a:t>‹Nº›</a:t>
             </a:fld>
             <a:endParaRPr lang="es-AR"/>
           </a:p>
@@ -1417,7 +1417,7 @@
           <a:p>
             <a:fld id="{DA33C3A4-75DC-48F4-9106-E88D4B928EE1}" type="datetimeFigureOut">
               <a:rPr lang="es-AR" smtClean="0"/>
-              <a:t>14/5/2019</a:t>
+              <a:t>1/7/2019</a:t>
             </a:fld>
             <a:endParaRPr lang="es-AR"/>
           </a:p>
@@ -1471,7 +1471,7 @@
           <a:p>
             <a:fld id="{3E4E1C75-E52C-41FC-9219-2D5B2FD2111B}" type="slidenum">
               <a:rPr lang="es-AR" smtClean="0"/>
-              <a:t>‹#›</a:t>
+              <a:t>‹Nº›</a:t>
             </a:fld>
             <a:endParaRPr lang="es-AR"/>
           </a:p>
@@ -1832,7 +1832,7 @@
           <a:p>
             <a:fld id="{DA33C3A4-75DC-48F4-9106-E88D4B928EE1}" type="datetimeFigureOut">
               <a:rPr lang="es-AR" smtClean="0"/>
-              <a:t>14/5/2019</a:t>
+              <a:t>1/7/2019</a:t>
             </a:fld>
             <a:endParaRPr lang="es-AR"/>
           </a:p>
@@ -1886,7 +1886,7 @@
           <a:p>
             <a:fld id="{3E4E1C75-E52C-41FC-9219-2D5B2FD2111B}" type="slidenum">
               <a:rPr lang="es-AR" smtClean="0"/>
-              <a:t>‹#›</a:t>
+              <a:t>‹Nº›</a:t>
             </a:fld>
             <a:endParaRPr lang="es-AR"/>
           </a:p>
@@ -1974,7 +1974,7 @@
           <a:p>
             <a:fld id="{DA33C3A4-75DC-48F4-9106-E88D4B928EE1}" type="datetimeFigureOut">
               <a:rPr lang="es-AR" smtClean="0"/>
-              <a:t>14/5/2019</a:t>
+              <a:t>1/7/2019</a:t>
             </a:fld>
             <a:endParaRPr lang="es-AR"/>
           </a:p>
@@ -2028,7 +2028,7 @@
           <a:p>
             <a:fld id="{3E4E1C75-E52C-41FC-9219-2D5B2FD2111B}" type="slidenum">
               <a:rPr lang="es-AR" smtClean="0"/>
-              <a:t>‹#›</a:t>
+              <a:t>‹Nº›</a:t>
             </a:fld>
             <a:endParaRPr lang="es-AR"/>
           </a:p>
@@ -2087,7 +2087,7 @@
           <a:p>
             <a:fld id="{DA33C3A4-75DC-48F4-9106-E88D4B928EE1}" type="datetimeFigureOut">
               <a:rPr lang="es-AR" smtClean="0"/>
-              <a:t>14/5/2019</a:t>
+              <a:t>1/7/2019</a:t>
             </a:fld>
             <a:endParaRPr lang="es-AR"/>
           </a:p>
@@ -2141,7 +2141,7 @@
           <a:p>
             <a:fld id="{3E4E1C75-E52C-41FC-9219-2D5B2FD2111B}" type="slidenum">
               <a:rPr lang="es-AR" smtClean="0"/>
-              <a:t>‹#›</a:t>
+              <a:t>‹Nº›</a:t>
             </a:fld>
             <a:endParaRPr lang="es-AR"/>
           </a:p>
@@ -2400,7 +2400,7 @@
           <a:p>
             <a:fld id="{DA33C3A4-75DC-48F4-9106-E88D4B928EE1}" type="datetimeFigureOut">
               <a:rPr lang="es-AR" smtClean="0"/>
-              <a:t>14/5/2019</a:t>
+              <a:t>1/7/2019</a:t>
             </a:fld>
             <a:endParaRPr lang="es-AR"/>
           </a:p>
@@ -2454,7 +2454,7 @@
           <a:p>
             <a:fld id="{3E4E1C75-E52C-41FC-9219-2D5B2FD2111B}" type="slidenum">
               <a:rPr lang="es-AR" smtClean="0"/>
-              <a:t>‹#›</a:t>
+              <a:t>‹Nº›</a:t>
             </a:fld>
             <a:endParaRPr lang="es-AR"/>
           </a:p>
@@ -2689,7 +2689,7 @@
           <a:p>
             <a:fld id="{DA33C3A4-75DC-48F4-9106-E88D4B928EE1}" type="datetimeFigureOut">
               <a:rPr lang="es-AR" smtClean="0"/>
-              <a:t>14/5/2019</a:t>
+              <a:t>1/7/2019</a:t>
             </a:fld>
             <a:endParaRPr lang="es-AR"/>
           </a:p>
@@ -2743,7 +2743,7 @@
           <a:p>
             <a:fld id="{3E4E1C75-E52C-41FC-9219-2D5B2FD2111B}" type="slidenum">
               <a:rPr lang="es-AR" smtClean="0"/>
-              <a:t>‹#›</a:t>
+              <a:t>‹Nº›</a:t>
             </a:fld>
             <a:endParaRPr lang="es-AR"/>
           </a:p>
@@ -2932,7 +2932,7 @@
           <a:p>
             <a:fld id="{DA33C3A4-75DC-48F4-9106-E88D4B928EE1}" type="datetimeFigureOut">
               <a:rPr lang="es-AR" smtClean="0"/>
-              <a:t>14/5/2019</a:t>
+              <a:t>1/7/2019</a:t>
             </a:fld>
             <a:endParaRPr lang="es-AR"/>
           </a:p>
@@ -3022,7 +3022,7 @@
           <a:p>
             <a:fld id="{3E4E1C75-E52C-41FC-9219-2D5B2FD2111B}" type="slidenum">
               <a:rPr lang="es-AR" smtClean="0"/>
-              <a:t>‹#›</a:t>
+              <a:t>‹Nº›</a:t>
             </a:fld>
             <a:endParaRPr lang="es-AR"/>
           </a:p>
@@ -3363,7 +3363,7 @@
         </p:nvSpPr>
         <p:spPr>
           <a:xfrm>
-            <a:off x="6095999" y="2055810"/>
+            <a:off x="6011778" y="2115124"/>
             <a:ext cx="5669717" cy="3557199"/>
           </a:xfrm>
           <a:prstGeom prst="rect">
@@ -3420,7 +3420,7 @@
         </p:nvSpPr>
         <p:spPr>
           <a:xfrm>
-            <a:off x="2713740" y="2055811"/>
+            <a:off x="2647798" y="2062394"/>
             <a:ext cx="2570142" cy="3557198"/>
           </a:xfrm>
           <a:prstGeom prst="rect">
@@ -3522,8 +3522,8 @@
         </p:nvSpPr>
         <p:spPr>
           <a:xfrm>
-            <a:off x="3045362" y="4056597"/>
-            <a:ext cx="1674055" cy="942536"/>
+            <a:off x="2810022" y="3463684"/>
+            <a:ext cx="1473588" cy="727941"/>
           </a:xfrm>
           <a:prstGeom prst="rect">
             <a:avLst/>
@@ -3790,7 +3790,7 @@
         </p:nvSpPr>
         <p:spPr>
           <a:xfrm>
-            <a:off x="9955237" y="3250127"/>
+            <a:off x="9955236" y="3391003"/>
             <a:ext cx="1547446" cy="643597"/>
           </a:xfrm>
           <a:prstGeom prst="rect">
@@ -3839,7 +3839,7 @@
         </p:nvSpPr>
         <p:spPr>
           <a:xfrm>
-            <a:off x="6493848" y="4422706"/>
+            <a:off x="6328702" y="4596671"/>
             <a:ext cx="1688123" cy="661182"/>
           </a:xfrm>
           <a:prstGeom prst="rect">
@@ -3874,9 +3874,10 @@
           <a:p>
             <a:pPr algn="ctr"/>
             <a:r>
-              <a:rPr lang="es-AR" dirty="0"/>
-              <a:t>Servo egreso</a:t>
-            </a:r>
+              <a:rPr lang="es-AR" dirty="0" smtClean="0"/>
+              <a:t>Modulo BlueTooth</a:t>
+            </a:r>
+            <a:endParaRPr lang="es-AR" dirty="0"/>
           </a:p>
         </p:txBody>
       </p:sp>
@@ -3936,181 +3937,6 @@
           </a:p>
         </p:txBody>
       </p:sp>
-      <p:cxnSp>
-        <p:nvCxnSpPr>
-          <p:cNvPr id="25" name="Straight Arrow Connector 24">
-            <a:extLst>
-              <a:ext uri="{FF2B5EF4-FFF2-40B4-BE49-F238E27FC236}">
-                <a16:creationId xmlns:a16="http://schemas.microsoft.com/office/drawing/2014/main" id="{77FF727C-DAE2-4A50-8AC2-D69FCD8DC860}"/>
-              </a:ext>
-            </a:extLst>
-          </p:cNvPr>
-          <p:cNvCxnSpPr>
-            <a:cxnSpLocks/>
-            <a:stCxn id="6" idx="3"/>
-          </p:cNvCxnSpPr>
-          <p:nvPr/>
-        </p:nvCxnSpPr>
-        <p:spPr>
-          <a:xfrm>
-            <a:off x="7805810" y="3811798"/>
-            <a:ext cx="3622431" cy="0"/>
-          </a:xfrm>
-          <a:prstGeom prst="straightConnector1">
-            <a:avLst/>
-          </a:prstGeom>
-          <a:ln>
-            <a:headEnd type="triangle"/>
-            <a:tailEnd type="triangle"/>
-          </a:ln>
-        </p:spPr>
-        <p:style>
-          <a:lnRef idx="1">
-            <a:schemeClr val="accent1"/>
-          </a:lnRef>
-          <a:fillRef idx="0">
-            <a:schemeClr val="accent1"/>
-          </a:fillRef>
-          <a:effectRef idx="0">
-            <a:schemeClr val="accent1"/>
-          </a:effectRef>
-          <a:fontRef idx="minor">
-            <a:schemeClr val="tx1"/>
-          </a:fontRef>
-        </p:style>
-      </p:cxnSp>
-      <p:cxnSp>
-        <p:nvCxnSpPr>
-          <p:cNvPr id="29" name="Connector: Curved 28">
-            <a:extLst>
-              <a:ext uri="{FF2B5EF4-FFF2-40B4-BE49-F238E27FC236}">
-                <a16:creationId xmlns:a16="http://schemas.microsoft.com/office/drawing/2014/main" id="{B22923E8-5893-4E8C-9776-AF0DCB26CF3A}"/>
-              </a:ext>
-            </a:extLst>
-          </p:cNvPr>
-          <p:cNvCxnSpPr>
-            <a:cxnSpLocks/>
-            <a:endCxn id="6" idx="0"/>
-          </p:cNvCxnSpPr>
-          <p:nvPr/>
-        </p:nvCxnSpPr>
-        <p:spPr>
-          <a:xfrm rot="10800000" flipV="1">
-            <a:off x="7067256" y="2414210"/>
-            <a:ext cx="2891058" cy="1017760"/>
-          </a:xfrm>
-          <a:prstGeom prst="curvedConnector2">
-            <a:avLst/>
-          </a:prstGeom>
-          <a:ln>
-            <a:tailEnd type="triangle"/>
-          </a:ln>
-        </p:spPr>
-        <p:style>
-          <a:lnRef idx="1">
-            <a:schemeClr val="accent1"/>
-          </a:lnRef>
-          <a:fillRef idx="0">
-            <a:schemeClr val="accent1"/>
-          </a:fillRef>
-          <a:effectRef idx="0">
-            <a:schemeClr val="accent1"/>
-          </a:effectRef>
-          <a:fontRef idx="minor">
-            <a:schemeClr val="tx1"/>
-          </a:fontRef>
-        </p:style>
-      </p:cxnSp>
-      <p:cxnSp>
-        <p:nvCxnSpPr>
-          <p:cNvPr id="31" name="Connector: Curved 30">
-            <a:extLst>
-              <a:ext uri="{FF2B5EF4-FFF2-40B4-BE49-F238E27FC236}">
-                <a16:creationId xmlns:a16="http://schemas.microsoft.com/office/drawing/2014/main" id="{B413612F-AD1D-48FD-AB98-A085BDE37D0E}"/>
-              </a:ext>
-            </a:extLst>
-          </p:cNvPr>
-          <p:cNvCxnSpPr>
-            <a:stCxn id="6" idx="2"/>
-            <a:endCxn id="11" idx="1"/>
-          </p:cNvCxnSpPr>
-          <p:nvPr/>
-        </p:nvCxnSpPr>
-        <p:spPr>
-          <a:xfrm rot="5400000">
-            <a:off x="6499717" y="4185757"/>
-            <a:ext cx="561671" cy="573408"/>
-          </a:xfrm>
-          <a:prstGeom prst="curvedConnector4">
-            <a:avLst>
-              <a:gd name="adj1" fmla="val 20571"/>
-              <a:gd name="adj2" fmla="val 139867"/>
-            </a:avLst>
-          </a:prstGeom>
-          <a:ln>
-            <a:tailEnd type="triangle"/>
-          </a:ln>
-        </p:spPr>
-        <p:style>
-          <a:lnRef idx="1">
-            <a:schemeClr val="accent1"/>
-          </a:lnRef>
-          <a:fillRef idx="0">
-            <a:schemeClr val="accent1"/>
-          </a:fillRef>
-          <a:effectRef idx="0">
-            <a:schemeClr val="accent1"/>
-          </a:effectRef>
-          <a:fontRef idx="minor">
-            <a:schemeClr val="tx1"/>
-          </a:fontRef>
-        </p:style>
-      </p:cxnSp>
-      <p:cxnSp>
-        <p:nvCxnSpPr>
-          <p:cNvPr id="39" name="Connector: Curved 38">
-            <a:extLst>
-              <a:ext uri="{FF2B5EF4-FFF2-40B4-BE49-F238E27FC236}">
-                <a16:creationId xmlns:a16="http://schemas.microsoft.com/office/drawing/2014/main" id="{ECA732DC-DA11-45E2-BF2B-C1099D75C286}"/>
-              </a:ext>
-            </a:extLst>
-          </p:cNvPr>
-          <p:cNvCxnSpPr>
-            <a:stCxn id="8" idx="1"/>
-            <a:endCxn id="6" idx="0"/>
-          </p:cNvCxnSpPr>
-          <p:nvPr/>
-        </p:nvCxnSpPr>
-        <p:spPr>
-          <a:xfrm rot="10800000" flipH="1" flipV="1">
-            <a:off x="6328702" y="2625152"/>
-            <a:ext cx="738554" cy="806817"/>
-          </a:xfrm>
-          <a:prstGeom prst="curvedConnector4">
-            <a:avLst>
-              <a:gd name="adj1" fmla="val -30952"/>
-              <a:gd name="adj2" fmla="val 73103"/>
-            </a:avLst>
-          </a:prstGeom>
-          <a:ln>
-            <a:tailEnd type="triangle"/>
-          </a:ln>
-        </p:spPr>
-        <p:style>
-          <a:lnRef idx="1">
-            <a:schemeClr val="accent1"/>
-          </a:lnRef>
-          <a:fillRef idx="0">
-            <a:schemeClr val="accent1"/>
-          </a:fillRef>
-          <a:effectRef idx="0">
-            <a:schemeClr val="accent1"/>
-          </a:effectRef>
-          <a:fontRef idx="minor">
-            <a:schemeClr val="tx1"/>
-          </a:fontRef>
-        </p:style>
-      </p:cxnSp>
       <p:sp>
         <p:nvSpPr>
           <p:cNvPr id="21" name="Title 1">
@@ -4180,7 +4006,7 @@
         </p:nvSpPr>
         <p:spPr>
           <a:xfrm>
-            <a:off x="9350326" y="4337951"/>
+            <a:off x="9884898" y="4452432"/>
             <a:ext cx="1688123" cy="661182"/>
           </a:xfrm>
           <a:prstGeom prst="rect">
@@ -4225,30 +4051,186 @@
           </a:p>
         </p:txBody>
       </p:sp>
+      <p:sp>
+        <p:nvSpPr>
+          <p:cNvPr id="40" name="TextBox 39">
+            <a:extLst>
+              <a:ext uri="{FF2B5EF4-FFF2-40B4-BE49-F238E27FC236}">
+                <a16:creationId xmlns:a16="http://schemas.microsoft.com/office/drawing/2014/main" id="{4FA07258-627A-41D3-9856-E637ABA14742}"/>
+              </a:ext>
+            </a:extLst>
+          </p:cNvPr>
+          <p:cNvSpPr txBox="1"/>
+          <p:nvPr/>
+        </p:nvSpPr>
+        <p:spPr>
+          <a:xfrm>
+            <a:off x="776068" y="6215575"/>
+            <a:ext cx="1505243" cy="369332"/>
+          </a:xfrm>
+          <a:prstGeom prst="rect">
+            <a:avLst/>
+          </a:prstGeom>
+          <a:noFill/>
+        </p:spPr>
+        <p:txBody>
+          <a:bodyPr wrap="square" rtlCol="0">
+            <a:spAutoFit/>
+          </a:bodyPr>
+          <a:lstStyle/>
+          <a:p>
+            <a:r>
+              <a:rPr lang="es-AR" dirty="0"/>
+              <a:t>Remoto</a:t>
+            </a:r>
+          </a:p>
+        </p:txBody>
+      </p:sp>
+      <p:sp>
+        <p:nvSpPr>
+          <p:cNvPr id="43" name="TextBox 42">
+            <a:extLst>
+              <a:ext uri="{FF2B5EF4-FFF2-40B4-BE49-F238E27FC236}">
+                <a16:creationId xmlns:a16="http://schemas.microsoft.com/office/drawing/2014/main" id="{69CA7058-AC28-4526-8E0F-6D2F07184EE6}"/>
+              </a:ext>
+            </a:extLst>
+          </p:cNvPr>
+          <p:cNvSpPr txBox="1"/>
+          <p:nvPr/>
+        </p:nvSpPr>
+        <p:spPr>
+          <a:xfrm>
+            <a:off x="7641762" y="6199162"/>
+            <a:ext cx="1742046" cy="369332"/>
+          </a:xfrm>
+          <a:prstGeom prst="rect">
+            <a:avLst/>
+          </a:prstGeom>
+          <a:noFill/>
+        </p:spPr>
+        <p:txBody>
+          <a:bodyPr wrap="square" rtlCol="0">
+            <a:spAutoFit/>
+          </a:bodyPr>
+          <a:lstStyle/>
+          <a:p>
+            <a:r>
+              <a:rPr lang="es-AR" dirty="0"/>
+              <a:t>Interior </a:t>
+            </a:r>
+            <a:r>
+              <a:rPr lang="es-AR" dirty="0" err="1"/>
+              <a:t>Mailbox</a:t>
+            </a:r>
+            <a:endParaRPr lang="es-AR" dirty="0"/>
+          </a:p>
+        </p:txBody>
+      </p:sp>
+      <p:sp>
+        <p:nvSpPr>
+          <p:cNvPr id="44" name="TextBox 43">
+            <a:extLst>
+              <a:ext uri="{FF2B5EF4-FFF2-40B4-BE49-F238E27FC236}">
+                <a16:creationId xmlns:a16="http://schemas.microsoft.com/office/drawing/2014/main" id="{E1D4EE1F-876A-46C2-8944-AC7305D7B2D9}"/>
+              </a:ext>
+            </a:extLst>
+          </p:cNvPr>
+          <p:cNvSpPr txBox="1"/>
+          <p:nvPr/>
+        </p:nvSpPr>
+        <p:spPr>
+          <a:xfrm>
+            <a:off x="3188678" y="6156958"/>
+            <a:ext cx="1742046" cy="369332"/>
+          </a:xfrm>
+          <a:prstGeom prst="rect">
+            <a:avLst/>
+          </a:prstGeom>
+          <a:noFill/>
+        </p:spPr>
+        <p:txBody>
+          <a:bodyPr wrap="square" rtlCol="0">
+            <a:spAutoFit/>
+          </a:bodyPr>
+          <a:lstStyle/>
+          <a:p>
+            <a:r>
+              <a:rPr lang="es-AR" dirty="0"/>
+              <a:t>Exterior </a:t>
+            </a:r>
+            <a:r>
+              <a:rPr lang="es-AR" dirty="0" err="1"/>
+              <a:t>Mailbox</a:t>
+            </a:r>
+            <a:endParaRPr lang="es-AR" dirty="0"/>
+          </a:p>
+        </p:txBody>
+      </p:sp>
+      <p:sp>
+        <p:nvSpPr>
+          <p:cNvPr id="27" name="Rectangle 4">
+            <a:extLst>
+              <a:ext uri="{FF2B5EF4-FFF2-40B4-BE49-F238E27FC236}">
+                <a16:creationId xmlns:a16="http://schemas.microsoft.com/office/drawing/2014/main" id="{F2410BE5-729D-49E7-8109-C9CBE7E59FE7}"/>
+              </a:ext>
+            </a:extLst>
+          </p:cNvPr>
+          <p:cNvSpPr/>
+          <p:nvPr/>
+        </p:nvSpPr>
+        <p:spPr>
+          <a:xfrm>
+            <a:off x="2806501" y="4271192"/>
+            <a:ext cx="1473588" cy="727941"/>
+          </a:xfrm>
+          <a:prstGeom prst="rect">
+            <a:avLst/>
+          </a:prstGeom>
+        </p:spPr>
+        <p:style>
+          <a:lnRef idx="2">
+            <a:schemeClr val="accent1">
+              <a:shade val="50000"/>
+            </a:schemeClr>
+          </a:lnRef>
+          <a:fillRef idx="1">
+            <a:schemeClr val="accent1"/>
+          </a:fillRef>
+          <a:effectRef idx="0">
+            <a:schemeClr val="accent1"/>
+          </a:effectRef>
+          <a:fontRef idx="minor">
+            <a:schemeClr val="lt1"/>
+          </a:fontRef>
+        </p:style>
+        <p:txBody>
+          <a:bodyPr rtlCol="0" anchor="ctr"/>
+          <a:lstStyle/>
+          <a:p>
+            <a:pPr algn="ctr"/>
+            <a:r>
+              <a:rPr lang="es-AR" dirty="0" smtClean="0"/>
+              <a:t>App secundaria</a:t>
+            </a:r>
+            <a:endParaRPr lang="es-AR" dirty="0"/>
+          </a:p>
+        </p:txBody>
+      </p:sp>
       <p:cxnSp>
         <p:nvCxnSpPr>
-          <p:cNvPr id="50" name="Connector: Curved 49">
-            <a:extLst>
-              <a:ext uri="{FF2B5EF4-FFF2-40B4-BE49-F238E27FC236}">
-                <a16:creationId xmlns:a16="http://schemas.microsoft.com/office/drawing/2014/main" id="{1A33DAAD-5B11-49B9-9ED2-D314FA6D81B4}"/>
-              </a:ext>
-            </a:extLst>
-          </p:cNvPr>
+          <p:cNvPr id="14" name="Conector recto de flecha 13"/>
           <p:cNvCxnSpPr>
-            <a:cxnSpLocks/>
-            <a:endCxn id="6" idx="3"/>
+            <a:stCxn id="11" idx="0"/>
           </p:cNvCxnSpPr>
           <p:nvPr/>
         </p:nvCxnSpPr>
         <p:spPr>
-          <a:xfrm rot="10800000">
-            <a:off x="7805810" y="3811798"/>
-            <a:ext cx="2884756" cy="954672"/>
-          </a:xfrm>
-          <a:prstGeom prst="curvedConnector3">
-            <a:avLst>
-              <a:gd name="adj1" fmla="val 50000"/>
-            </a:avLst>
+          <a:xfrm flipH="1" flipV="1">
+            <a:off x="7172763" y="4191625"/>
+            <a:ext cx="1" cy="405046"/>
+          </a:xfrm>
+          <a:prstGeom prst="straightConnector1">
+            <a:avLst/>
           </a:prstGeom>
           <a:ln>
             <a:tailEnd type="triangle"/>
@@ -4269,121 +4251,143 @@
           </a:fontRef>
         </p:style>
       </p:cxnSp>
-      <p:sp>
-        <p:nvSpPr>
-          <p:cNvPr id="40" name="TextBox 39">
-            <a:extLst>
-              <a:ext uri="{FF2B5EF4-FFF2-40B4-BE49-F238E27FC236}">
-                <a16:creationId xmlns:a16="http://schemas.microsoft.com/office/drawing/2014/main" id="{4FA07258-627A-41D3-9856-E637ABA14742}"/>
-              </a:ext>
-            </a:extLst>
-          </p:cNvPr>
-          <p:cNvSpPr txBox="1"/>
+      <p:cxnSp>
+        <p:nvCxnSpPr>
+          <p:cNvPr id="16" name="Conector recto de flecha 15"/>
+          <p:cNvCxnSpPr>
+            <a:stCxn id="8" idx="2"/>
+            <a:endCxn id="6" idx="0"/>
+          </p:cNvCxnSpPr>
           <p:nvPr/>
-        </p:nvSpPr>
-        <p:spPr>
-          <a:xfrm>
-            <a:off x="776068" y="6215575"/>
-            <a:ext cx="1505243" cy="369332"/>
-          </a:xfrm>
-          <a:prstGeom prst="rect">
-            <a:avLst/>
-          </a:prstGeom>
-          <a:noFill/>
-        </p:spPr>
-        <p:txBody>
-          <a:bodyPr wrap="square" rtlCol="0">
-            <a:spAutoFit/>
-          </a:bodyPr>
-          <a:lstStyle/>
-          <a:p>
-            <a:r>
-              <a:rPr lang="es-AR" dirty="0"/>
-              <a:t>Remoto</a:t>
-            </a:r>
-          </a:p>
-        </p:txBody>
-      </p:sp>
-      <p:sp>
-        <p:nvSpPr>
-          <p:cNvPr id="43" name="TextBox 42">
-            <a:extLst>
-              <a:ext uri="{FF2B5EF4-FFF2-40B4-BE49-F238E27FC236}">
-                <a16:creationId xmlns:a16="http://schemas.microsoft.com/office/drawing/2014/main" id="{69CA7058-AC28-4526-8E0F-6D2F07184EE6}"/>
-              </a:ext>
-            </a:extLst>
-          </p:cNvPr>
-          <p:cNvSpPr txBox="1"/>
+        </p:nvCxnSpPr>
+        <p:spPr>
+          <a:xfrm flipH="1">
+            <a:off x="7067256" y="2997947"/>
+            <a:ext cx="14068" cy="434023"/>
+          </a:xfrm>
+          <a:prstGeom prst="straightConnector1">
+            <a:avLst/>
+          </a:prstGeom>
+          <a:ln>
+            <a:tailEnd type="triangle"/>
+          </a:ln>
+        </p:spPr>
+        <p:style>
+          <a:lnRef idx="1">
+            <a:schemeClr val="accent1"/>
+          </a:lnRef>
+          <a:fillRef idx="0">
+            <a:schemeClr val="accent1"/>
+          </a:fillRef>
+          <a:effectRef idx="0">
+            <a:schemeClr val="accent1"/>
+          </a:effectRef>
+          <a:fontRef idx="minor">
+            <a:schemeClr val="tx1"/>
+          </a:fontRef>
+        </p:style>
+      </p:cxnSp>
+      <p:cxnSp>
+        <p:nvCxnSpPr>
+          <p:cNvPr id="18" name="Conector angular 17"/>
+          <p:cNvCxnSpPr/>
           <p:nvPr/>
-        </p:nvSpPr>
-        <p:spPr>
-          <a:xfrm>
-            <a:off x="7641762" y="6199162"/>
-            <a:ext cx="1742046" cy="369332"/>
-          </a:xfrm>
-          <a:prstGeom prst="rect">
-            <a:avLst/>
-          </a:prstGeom>
-          <a:noFill/>
-        </p:spPr>
-        <p:txBody>
-          <a:bodyPr wrap="square" rtlCol="0">
-            <a:spAutoFit/>
-          </a:bodyPr>
-          <a:lstStyle/>
-          <a:p>
-            <a:r>
-              <a:rPr lang="es-AR" dirty="0"/>
-              <a:t>Interior </a:t>
-            </a:r>
-            <a:r>
-              <a:rPr lang="es-AR" dirty="0" err="1"/>
-              <a:t>Mailbox</a:t>
-            </a:r>
-            <a:endParaRPr lang="es-AR" dirty="0"/>
-          </a:p>
-        </p:txBody>
-      </p:sp>
-      <p:sp>
-        <p:nvSpPr>
-          <p:cNvPr id="44" name="TextBox 43">
-            <a:extLst>
-              <a:ext uri="{FF2B5EF4-FFF2-40B4-BE49-F238E27FC236}">
-                <a16:creationId xmlns:a16="http://schemas.microsoft.com/office/drawing/2014/main" id="{E1D4EE1F-876A-46C2-8944-AC7305D7B2D9}"/>
-              </a:ext>
-            </a:extLst>
-          </p:cNvPr>
-          <p:cNvSpPr txBox="1"/>
+        </p:nvCxnSpPr>
+        <p:spPr>
+          <a:xfrm rot="10800000" flipV="1">
+            <a:off x="7833945" y="2490669"/>
+            <a:ext cx="1942478" cy="1089627"/>
+          </a:xfrm>
+          <a:prstGeom prst="bentConnector3">
+            <a:avLst/>
+          </a:prstGeom>
+          <a:ln>
+            <a:tailEnd type="triangle"/>
+          </a:ln>
+        </p:spPr>
+        <p:style>
+          <a:lnRef idx="1">
+            <a:schemeClr val="accent1"/>
+          </a:lnRef>
+          <a:fillRef idx="0">
+            <a:schemeClr val="accent1"/>
+          </a:fillRef>
+          <a:effectRef idx="0">
+            <a:schemeClr val="accent1"/>
+          </a:effectRef>
+          <a:fontRef idx="minor">
+            <a:schemeClr val="tx1"/>
+          </a:fontRef>
+        </p:style>
+      </p:cxnSp>
+      <p:cxnSp>
+        <p:nvCxnSpPr>
+          <p:cNvPr id="20" name="Conector recto de flecha 19"/>
+          <p:cNvCxnSpPr/>
           <p:nvPr/>
-        </p:nvSpPr>
-        <p:spPr>
-          <a:xfrm>
-            <a:off x="3188678" y="6156958"/>
-            <a:ext cx="1742046" cy="369332"/>
-          </a:xfrm>
-          <a:prstGeom prst="rect">
-            <a:avLst/>
-          </a:prstGeom>
-          <a:noFill/>
-        </p:spPr>
-        <p:txBody>
-          <a:bodyPr wrap="square" rtlCol="0">
-            <a:spAutoFit/>
-          </a:bodyPr>
-          <a:lstStyle/>
-          <a:p>
-            <a:r>
-              <a:rPr lang="es-AR" dirty="0"/>
-              <a:t>Exterior </a:t>
-            </a:r>
-            <a:r>
-              <a:rPr lang="es-AR" dirty="0" err="1"/>
-              <a:t>Mailbox</a:t>
-            </a:r>
-            <a:endParaRPr lang="es-AR" dirty="0"/>
-          </a:p>
-        </p:txBody>
-      </p:sp>
+        </p:nvCxnSpPr>
+        <p:spPr>
+          <a:xfrm flipH="1">
+            <a:off x="7814914" y="3849335"/>
+            <a:ext cx="2140322" cy="0"/>
+          </a:xfrm>
+          <a:prstGeom prst="straightConnector1">
+            <a:avLst/>
+          </a:prstGeom>
+          <a:ln>
+            <a:tailEnd type="triangle"/>
+          </a:ln>
+        </p:spPr>
+        <p:style>
+          <a:lnRef idx="1">
+            <a:schemeClr val="accent1"/>
+          </a:lnRef>
+          <a:fillRef idx="0">
+            <a:schemeClr val="accent1"/>
+          </a:fillRef>
+          <a:effectRef idx="0">
+            <a:schemeClr val="accent1"/>
+          </a:effectRef>
+          <a:fontRef idx="minor">
+            <a:schemeClr val="tx1"/>
+          </a:fontRef>
+        </p:style>
+      </p:cxnSp>
+      <p:cxnSp>
+        <p:nvCxnSpPr>
+          <p:cNvPr id="23" name="Conector angular 22"/>
+          <p:cNvCxnSpPr>
+            <a:stCxn id="49" idx="1"/>
+          </p:cNvCxnSpPr>
+          <p:nvPr/>
+        </p:nvCxnSpPr>
+        <p:spPr>
+          <a:xfrm rot="10800000">
+            <a:off x="7833946" y="4034601"/>
+            <a:ext cx="2050953" cy="748423"/>
+          </a:xfrm>
+          <a:prstGeom prst="bentConnector3">
+            <a:avLst/>
+          </a:prstGeom>
+          <a:ln>
+            <a:tailEnd type="triangle"/>
+          </a:ln>
+        </p:spPr>
+        <p:style>
+          <a:lnRef idx="1">
+            <a:schemeClr val="accent1"/>
+          </a:lnRef>
+          <a:fillRef idx="0">
+            <a:schemeClr val="accent1"/>
+          </a:fillRef>
+          <a:effectRef idx="0">
+            <a:schemeClr val="accent1"/>
+          </a:effectRef>
+          <a:fontRef idx="minor">
+            <a:schemeClr val="tx1"/>
+          </a:fontRef>
+        </p:style>
+      </p:cxnSp>
     </p:spTree>
     <p:extLst>
       <p:ext uri="{BB962C8B-B14F-4D97-AF65-F5344CB8AC3E}">
@@ -4394,6 +4398,13 @@
   <p:clrMapOvr>
     <a:masterClrMapping/>
   </p:clrMapOvr>
+  <p:timing>
+    <p:tnLst>
+      <p:par>
+        <p:cTn id="1" dur="indefinite" restart="never" nodeType="tmRoot"/>
+      </p:par>
+    </p:tnLst>
+  </p:timing>
 </p:sld>
 </file>
 
@@ -4633,7 +4644,7 @@
         </p:nvSpPr>
         <p:spPr>
           <a:xfrm>
-            <a:off x="10011508" y="1310222"/>
+            <a:off x="4018085" y="1781580"/>
             <a:ext cx="1505243" cy="745588"/>
           </a:xfrm>
           <a:prstGeom prst="rect">
@@ -4737,7 +4748,7 @@
         </p:nvSpPr>
         <p:spPr>
           <a:xfrm>
-            <a:off x="5219112" y="5092909"/>
+            <a:off x="5612814" y="5967816"/>
             <a:ext cx="1688123" cy="661182"/>
           </a:xfrm>
           <a:prstGeom prst="rect">
@@ -4772,9 +4783,10 @@
           <a:p>
             <a:pPr algn="ctr"/>
             <a:r>
-              <a:rPr lang="es-AR" dirty="0"/>
-              <a:t>Servo egreso</a:t>
-            </a:r>
+              <a:rPr lang="es-AR" dirty="0" smtClean="0"/>
+              <a:t>App secundaria</a:t>
+            </a:r>
+            <a:endParaRPr lang="es-AR" dirty="0"/>
           </a:p>
         </p:txBody>
       </p:sp>
@@ -4792,7 +4804,7 @@
         </p:nvSpPr>
         <p:spPr>
           <a:xfrm>
-            <a:off x="3169334" y="4506677"/>
+            <a:off x="2152358" y="4907202"/>
             <a:ext cx="848751" cy="590843"/>
           </a:xfrm>
           <a:prstGeom prst="rect">
@@ -4851,7 +4863,7 @@
         </p:nvSpPr>
         <p:spPr>
           <a:xfrm>
-            <a:off x="2320583" y="5423500"/>
+            <a:off x="565052" y="5128078"/>
             <a:ext cx="848751" cy="590843"/>
           </a:xfrm>
           <a:prstGeom prst="rect">
@@ -4976,69 +4988,24 @@
       </p:cxnSp>
       <p:cxnSp>
         <p:nvCxnSpPr>
-          <p:cNvPr id="31" name="Connector: Curved 30">
-            <a:extLst>
-              <a:ext uri="{FF2B5EF4-FFF2-40B4-BE49-F238E27FC236}">
-                <a16:creationId xmlns:a16="http://schemas.microsoft.com/office/drawing/2014/main" id="{B413612F-AD1D-48FD-AB98-A085BDE37D0E}"/>
+          <p:cNvPr id="35" name="Straight Arrow Connector 34">
+            <a:extLst>
+              <a:ext uri="{FF2B5EF4-FFF2-40B4-BE49-F238E27FC236}">
+                <a16:creationId xmlns:a16="http://schemas.microsoft.com/office/drawing/2014/main" id="{383C794A-4C1F-467E-8499-0B669BD851B2}"/>
               </a:ext>
             </a:extLst>
           </p:cNvPr>
           <p:cNvCxnSpPr>
-            <a:stCxn id="6" idx="2"/>
-            <a:endCxn id="11" idx="1"/>
+            <a:cxnSpLocks/>
+            <a:stCxn id="13" idx="3"/>
+            <a:endCxn id="12" idx="1"/>
           </p:cNvCxnSpPr>
           <p:nvPr/>
         </p:nvCxnSpPr>
         <p:spPr>
-          <a:xfrm rot="5400000">
-            <a:off x="4769917" y="4542894"/>
-            <a:ext cx="1329802" cy="431411"/>
-          </a:xfrm>
-          <a:prstGeom prst="curvedConnector4">
-            <a:avLst>
-              <a:gd name="adj1" fmla="val 37570"/>
-              <a:gd name="adj2" fmla="val 152989"/>
-            </a:avLst>
-          </a:prstGeom>
-          <a:ln>
-            <a:tailEnd type="triangle"/>
-          </a:ln>
-        </p:spPr>
-        <p:style>
-          <a:lnRef idx="1">
-            <a:schemeClr val="accent1"/>
-          </a:lnRef>
-          <a:fillRef idx="0">
-            <a:schemeClr val="accent1"/>
-          </a:fillRef>
-          <a:effectRef idx="0">
-            <a:schemeClr val="accent1"/>
-          </a:effectRef>
-          <a:fontRef idx="minor">
-            <a:schemeClr val="tx1"/>
-          </a:fontRef>
-        </p:style>
-      </p:cxnSp>
-      <p:cxnSp>
-        <p:nvCxnSpPr>
-          <p:cNvPr id="35" name="Straight Arrow Connector 34">
-            <a:extLst>
-              <a:ext uri="{FF2B5EF4-FFF2-40B4-BE49-F238E27FC236}">
-                <a16:creationId xmlns:a16="http://schemas.microsoft.com/office/drawing/2014/main" id="{383C794A-4C1F-467E-8499-0B669BD851B2}"/>
-              </a:ext>
-            </a:extLst>
-          </p:cNvPr>
-          <p:cNvCxnSpPr>
-            <a:cxnSpLocks/>
-            <a:stCxn id="13" idx="3"/>
-            <a:endCxn id="12" idx="2"/>
-          </p:cNvCxnSpPr>
-          <p:nvPr/>
-        </p:nvCxnSpPr>
-        <p:spPr>
           <a:xfrm flipV="1">
-            <a:off x="3169334" y="5097520"/>
-            <a:ext cx="424376" cy="621402"/>
+            <a:off x="1413803" y="5202624"/>
+            <a:ext cx="738555" cy="220876"/>
           </a:xfrm>
           <a:prstGeom prst="straightConnector1">
             <a:avLst/>
@@ -5078,59 +5045,15 @@
           <p:cNvCxnSpPr>
             <a:cxnSpLocks/>
             <a:stCxn id="27" idx="2"/>
-            <a:endCxn id="7" idx="0"/>
           </p:cNvCxnSpPr>
           <p:nvPr/>
         </p:nvCxnSpPr>
         <p:spPr>
           <a:xfrm>
-            <a:off x="6601264" y="3759591"/>
-            <a:ext cx="12896" cy="524370"/>
+            <a:off x="7034436" y="3887931"/>
+            <a:ext cx="12896" cy="411626"/>
           </a:xfrm>
           <a:prstGeom prst="straightConnector1">
-            <a:avLst/>
-          </a:prstGeom>
-          <a:ln>
-            <a:tailEnd type="triangle"/>
-          </a:ln>
-        </p:spPr>
-        <p:style>
-          <a:lnRef idx="1">
-            <a:schemeClr val="accent1"/>
-          </a:lnRef>
-          <a:fillRef idx="0">
-            <a:schemeClr val="accent1"/>
-          </a:fillRef>
-          <a:effectRef idx="0">
-            <a:schemeClr val="accent1"/>
-          </a:effectRef>
-          <a:fontRef idx="minor">
-            <a:schemeClr val="tx1"/>
-          </a:fontRef>
-        </p:style>
-      </p:cxnSp>
-      <p:cxnSp>
-        <p:nvCxnSpPr>
-          <p:cNvPr id="39" name="Connector: Curved 38">
-            <a:extLst>
-              <a:ext uri="{FF2B5EF4-FFF2-40B4-BE49-F238E27FC236}">
-                <a16:creationId xmlns:a16="http://schemas.microsoft.com/office/drawing/2014/main" id="{ECA732DC-DA11-45E2-BF2B-C1099D75C286}"/>
-              </a:ext>
-            </a:extLst>
-          </p:cNvPr>
-          <p:cNvCxnSpPr>
-            <a:cxnSpLocks/>
-            <a:stCxn id="8" idx="1"/>
-            <a:endCxn id="6" idx="0"/>
-          </p:cNvCxnSpPr>
-          <p:nvPr/>
-        </p:nvCxnSpPr>
-        <p:spPr>
-          <a:xfrm rot="10800000" flipV="1">
-            <a:off x="5650524" y="1683016"/>
-            <a:ext cx="4360985" cy="1651026"/>
-          </a:xfrm>
-          <a:prstGeom prst="curvedConnector2">
             <a:avLst/>
           </a:prstGeom>
           <a:ln>
@@ -5221,7 +5144,7 @@
         </p:nvSpPr>
         <p:spPr>
           <a:xfrm>
-            <a:off x="7943552" y="6148589"/>
+            <a:off x="8183291" y="4982471"/>
             <a:ext cx="1688123" cy="661182"/>
           </a:xfrm>
           <a:prstGeom prst="rect">
@@ -5372,7 +5295,7 @@
         </p:nvSpPr>
         <p:spPr>
           <a:xfrm>
-            <a:off x="6386731" y="3429000"/>
+            <a:off x="6819903" y="3557340"/>
             <a:ext cx="429065" cy="330591"/>
           </a:xfrm>
           <a:prstGeom prst="diamond">
@@ -5404,48 +5327,6 @@
           </a:p>
         </p:txBody>
       </p:sp>
-      <p:cxnSp>
-        <p:nvCxnSpPr>
-          <p:cNvPr id="41" name="Straight Arrow Connector 40">
-            <a:extLst>
-              <a:ext uri="{FF2B5EF4-FFF2-40B4-BE49-F238E27FC236}">
-                <a16:creationId xmlns:a16="http://schemas.microsoft.com/office/drawing/2014/main" id="{87132E2F-5AB3-4194-AF5D-AF5F8017A789}"/>
-              </a:ext>
-            </a:extLst>
-          </p:cNvPr>
-          <p:cNvCxnSpPr>
-            <a:stCxn id="27" idx="3"/>
-            <a:endCxn id="10" idx="1"/>
-          </p:cNvCxnSpPr>
-          <p:nvPr/>
-        </p:nvCxnSpPr>
-        <p:spPr>
-          <a:xfrm flipV="1">
-            <a:off x="6815796" y="3594295"/>
-            <a:ext cx="1191064" cy="1"/>
-          </a:xfrm>
-          <a:prstGeom prst="straightConnector1">
-            <a:avLst/>
-          </a:prstGeom>
-          <a:ln>
-            <a:tailEnd type="triangle"/>
-          </a:ln>
-        </p:spPr>
-        <p:style>
-          <a:lnRef idx="1">
-            <a:schemeClr val="accent1"/>
-          </a:lnRef>
-          <a:fillRef idx="0">
-            <a:schemeClr val="accent1"/>
-          </a:fillRef>
-          <a:effectRef idx="0">
-            <a:schemeClr val="accent1"/>
-          </a:effectRef>
-          <a:fontRef idx="minor">
-            <a:schemeClr val="tx1"/>
-          </a:fontRef>
-        </p:style>
-      </p:cxnSp>
       <p:sp>
         <p:nvSpPr>
           <p:cNvPr id="44" name="Rectangle 43">
@@ -5684,231 +5565,6 @@
       </p:cxnSp>
       <p:cxnSp>
         <p:nvCxnSpPr>
-          <p:cNvPr id="60" name="Straight Arrow Connector 59">
-            <a:extLst>
-              <a:ext uri="{FF2B5EF4-FFF2-40B4-BE49-F238E27FC236}">
-                <a16:creationId xmlns:a16="http://schemas.microsoft.com/office/drawing/2014/main" id="{E8ABD887-4FBB-4836-B431-A920CF2C9B8C}"/>
-              </a:ext>
-            </a:extLst>
-          </p:cNvPr>
-          <p:cNvCxnSpPr>
-            <a:stCxn id="12" idx="3"/>
-            <a:endCxn id="6" idx="1"/>
-          </p:cNvCxnSpPr>
-          <p:nvPr/>
-        </p:nvCxnSpPr>
-        <p:spPr>
-          <a:xfrm flipV="1">
-            <a:off x="4018085" y="3713870"/>
-            <a:ext cx="893884" cy="1088229"/>
-          </a:xfrm>
-          <a:prstGeom prst="straightConnector1">
-            <a:avLst/>
-          </a:prstGeom>
-          <a:ln>
-            <a:tailEnd type="triangle"/>
-          </a:ln>
-        </p:spPr>
-        <p:style>
-          <a:lnRef idx="1">
-            <a:schemeClr val="accent1"/>
-          </a:lnRef>
-          <a:fillRef idx="0">
-            <a:schemeClr val="accent1"/>
-          </a:fillRef>
-          <a:effectRef idx="0">
-            <a:schemeClr val="accent1"/>
-          </a:effectRef>
-          <a:fontRef idx="minor">
-            <a:schemeClr val="tx1"/>
-          </a:fontRef>
-        </p:style>
-      </p:cxnSp>
-      <p:sp>
-        <p:nvSpPr>
-          <p:cNvPr id="62" name="Rectangle 61">
-            <a:extLst>
-              <a:ext uri="{FF2B5EF4-FFF2-40B4-BE49-F238E27FC236}">
-                <a16:creationId xmlns:a16="http://schemas.microsoft.com/office/drawing/2014/main" id="{BB7D27A3-E4CE-47DB-B54E-EC481E88562B}"/>
-              </a:ext>
-            </a:extLst>
-          </p:cNvPr>
-          <p:cNvSpPr/>
-          <p:nvPr/>
-        </p:nvSpPr>
-        <p:spPr>
-          <a:xfrm>
-            <a:off x="5122982" y="6196818"/>
-            <a:ext cx="1880381" cy="661182"/>
-          </a:xfrm>
-          <a:prstGeom prst="rect">
-            <a:avLst/>
-          </a:prstGeom>
-          <a:solidFill>
-            <a:schemeClr val="accent3">
-              <a:lumMod val="60000"/>
-              <a:lumOff val="40000"/>
-            </a:schemeClr>
-          </a:solidFill>
-        </p:spPr>
-        <p:style>
-          <a:lnRef idx="2">
-            <a:schemeClr val="accent1">
-              <a:shade val="50000"/>
-            </a:schemeClr>
-          </a:lnRef>
-          <a:fillRef idx="1">
-            <a:schemeClr val="accent1"/>
-          </a:fillRef>
-          <a:effectRef idx="0">
-            <a:schemeClr val="accent1"/>
-          </a:effectRef>
-          <a:fontRef idx="minor">
-            <a:schemeClr val="lt1"/>
-          </a:fontRef>
-        </p:style>
-        <p:txBody>
-          <a:bodyPr rtlCol="0" anchor="ctr"/>
-          <a:lstStyle/>
-          <a:p>
-            <a:pPr algn="ctr"/>
-            <a:r>
-              <a:rPr lang="es-AR" dirty="0"/>
-              <a:t>Egreso correspondencia</a:t>
-            </a:r>
-          </a:p>
-        </p:txBody>
-      </p:sp>
-      <p:cxnSp>
-        <p:nvCxnSpPr>
-          <p:cNvPr id="64" name="Connector: Elbow 63">
-            <a:extLst>
-              <a:ext uri="{FF2B5EF4-FFF2-40B4-BE49-F238E27FC236}">
-                <a16:creationId xmlns:a16="http://schemas.microsoft.com/office/drawing/2014/main" id="{45C694F6-7BB5-4CBD-87A6-F52116C309FB}"/>
-              </a:ext>
-            </a:extLst>
-          </p:cNvPr>
-          <p:cNvCxnSpPr>
-            <a:cxnSpLocks/>
-            <a:stCxn id="62" idx="1"/>
-            <a:endCxn id="11" idx="1"/>
-          </p:cNvCxnSpPr>
-          <p:nvPr/>
-        </p:nvCxnSpPr>
-        <p:spPr>
-          <a:xfrm rot="10800000" flipH="1">
-            <a:off x="5122982" y="5423501"/>
-            <a:ext cx="96130" cy="1103909"/>
-          </a:xfrm>
-          <a:prstGeom prst="bentConnector3">
-            <a:avLst>
-              <a:gd name="adj1" fmla="val -237803"/>
-            </a:avLst>
-          </a:prstGeom>
-          <a:ln>
-            <a:tailEnd type="triangle"/>
-          </a:ln>
-        </p:spPr>
-        <p:style>
-          <a:lnRef idx="1">
-            <a:schemeClr val="accent1"/>
-          </a:lnRef>
-          <a:fillRef idx="0">
-            <a:schemeClr val="accent1"/>
-          </a:fillRef>
-          <a:effectRef idx="0">
-            <a:schemeClr val="accent1"/>
-          </a:effectRef>
-          <a:fontRef idx="minor">
-            <a:schemeClr val="tx1"/>
-          </a:fontRef>
-        </p:style>
-      </p:cxnSp>
-      <p:cxnSp>
-        <p:nvCxnSpPr>
-          <p:cNvPr id="66" name="Straight Arrow Connector 65">
-            <a:extLst>
-              <a:ext uri="{FF2B5EF4-FFF2-40B4-BE49-F238E27FC236}">
-                <a16:creationId xmlns:a16="http://schemas.microsoft.com/office/drawing/2014/main" id="{2C5FC1CD-D986-45F5-BD60-BC768034E929}"/>
-              </a:ext>
-            </a:extLst>
-          </p:cNvPr>
-          <p:cNvCxnSpPr>
-            <a:stCxn id="11" idx="2"/>
-            <a:endCxn id="62" idx="0"/>
-          </p:cNvCxnSpPr>
-          <p:nvPr/>
-        </p:nvCxnSpPr>
-        <p:spPr>
-          <a:xfrm flipH="1">
-            <a:off x="6063173" y="5754091"/>
-            <a:ext cx="1" cy="442727"/>
-          </a:xfrm>
-          <a:prstGeom prst="straightConnector1">
-            <a:avLst/>
-          </a:prstGeom>
-          <a:ln>
-            <a:tailEnd type="triangle"/>
-          </a:ln>
-        </p:spPr>
-        <p:style>
-          <a:lnRef idx="1">
-            <a:schemeClr val="accent1"/>
-          </a:lnRef>
-          <a:fillRef idx="0">
-            <a:schemeClr val="accent1"/>
-          </a:fillRef>
-          <a:effectRef idx="0">
-            <a:schemeClr val="accent1"/>
-          </a:effectRef>
-          <a:fontRef idx="minor">
-            <a:schemeClr val="tx1"/>
-          </a:fontRef>
-        </p:style>
-      </p:cxnSp>
-      <p:cxnSp>
-        <p:nvCxnSpPr>
-          <p:cNvPr id="77" name="Straight Arrow Connector 76">
-            <a:extLst>
-              <a:ext uri="{FF2B5EF4-FFF2-40B4-BE49-F238E27FC236}">
-                <a16:creationId xmlns:a16="http://schemas.microsoft.com/office/drawing/2014/main" id="{761BF714-E3E1-42D2-994A-4FDDCE5DDBDF}"/>
-              </a:ext>
-            </a:extLst>
-          </p:cNvPr>
-          <p:cNvCxnSpPr>
-            <a:stCxn id="62" idx="3"/>
-          </p:cNvCxnSpPr>
-          <p:nvPr/>
-        </p:nvCxnSpPr>
-        <p:spPr>
-          <a:xfrm>
-            <a:off x="7003363" y="6527409"/>
-            <a:ext cx="933158" cy="2"/>
-          </a:xfrm>
-          <a:prstGeom prst="straightConnector1">
-            <a:avLst/>
-          </a:prstGeom>
-          <a:ln>
-            <a:tailEnd type="triangle"/>
-          </a:ln>
-        </p:spPr>
-        <p:style>
-          <a:lnRef idx="1">
-            <a:schemeClr val="accent1"/>
-          </a:lnRef>
-          <a:fillRef idx="0">
-            <a:schemeClr val="accent1"/>
-          </a:fillRef>
-          <a:effectRef idx="0">
-            <a:schemeClr val="accent1"/>
-          </a:effectRef>
-          <a:fontRef idx="minor">
-            <a:schemeClr val="tx1"/>
-          </a:fontRef>
-        </p:style>
-      </p:cxnSp>
-      <p:cxnSp>
-        <p:nvCxnSpPr>
           <p:cNvPr id="79" name="Connector: Elbow 78">
             <a:extLst>
               <a:ext uri="{FF2B5EF4-FFF2-40B4-BE49-F238E27FC236}">
@@ -5967,6 +5623,531 @@
           <a:xfrm rot="10800000" flipV="1">
             <a:off x="5650524" y="2621268"/>
             <a:ext cx="4722055" cy="712774"/>
+          </a:xfrm>
+          <a:prstGeom prst="bentConnector2">
+            <a:avLst/>
+          </a:prstGeom>
+          <a:ln>
+            <a:tailEnd type="triangle"/>
+          </a:ln>
+        </p:spPr>
+        <p:style>
+          <a:lnRef idx="1">
+            <a:schemeClr val="accent1"/>
+          </a:lnRef>
+          <a:fillRef idx="0">
+            <a:schemeClr val="accent1"/>
+          </a:fillRef>
+          <a:effectRef idx="0">
+            <a:schemeClr val="accent1"/>
+          </a:effectRef>
+          <a:fontRef idx="minor">
+            <a:schemeClr val="tx1"/>
+          </a:fontRef>
+        </p:style>
+      </p:cxnSp>
+      <p:cxnSp>
+        <p:nvCxnSpPr>
+          <p:cNvPr id="20" name="Conector recto de flecha 19"/>
+          <p:cNvCxnSpPr>
+            <a:stCxn id="27" idx="1"/>
+            <a:endCxn id="6" idx="3"/>
+          </p:cNvCxnSpPr>
+          <p:nvPr/>
+        </p:nvCxnSpPr>
+        <p:spPr>
+          <a:xfrm flipH="1" flipV="1">
+            <a:off x="6389077" y="3713870"/>
+            <a:ext cx="430826" cy="8766"/>
+          </a:xfrm>
+          <a:prstGeom prst="straightConnector1">
+            <a:avLst/>
+          </a:prstGeom>
+          <a:ln>
+            <a:tailEnd type="triangle"/>
+          </a:ln>
+        </p:spPr>
+        <p:style>
+          <a:lnRef idx="1">
+            <a:schemeClr val="accent1"/>
+          </a:lnRef>
+          <a:fillRef idx="0">
+            <a:schemeClr val="accent1"/>
+          </a:fillRef>
+          <a:effectRef idx="0">
+            <a:schemeClr val="accent1"/>
+          </a:effectRef>
+          <a:fontRef idx="minor">
+            <a:schemeClr val="tx1"/>
+          </a:fontRef>
+        </p:style>
+      </p:cxnSp>
+      <p:cxnSp>
+        <p:nvCxnSpPr>
+          <p:cNvPr id="28" name="Conector recto de flecha 27"/>
+          <p:cNvCxnSpPr/>
+          <p:nvPr/>
+        </p:nvCxnSpPr>
+        <p:spPr>
+          <a:xfrm>
+            <a:off x="5219112" y="2541640"/>
+            <a:ext cx="0" cy="792402"/>
+          </a:xfrm>
+          <a:prstGeom prst="straightConnector1">
+            <a:avLst/>
+          </a:prstGeom>
+          <a:ln>
+            <a:tailEnd type="triangle"/>
+          </a:ln>
+        </p:spPr>
+        <p:style>
+          <a:lnRef idx="1">
+            <a:schemeClr val="accent1"/>
+          </a:lnRef>
+          <a:fillRef idx="0">
+            <a:schemeClr val="accent1"/>
+          </a:fillRef>
+          <a:effectRef idx="0">
+            <a:schemeClr val="accent1"/>
+          </a:effectRef>
+          <a:fontRef idx="minor">
+            <a:schemeClr val="tx1"/>
+          </a:fontRef>
+        </p:style>
+      </p:cxnSp>
+      <p:sp>
+        <p:nvSpPr>
+          <p:cNvPr id="53" name="Rectangle 10">
+            <a:extLst>
+              <a:ext uri="{FF2B5EF4-FFF2-40B4-BE49-F238E27FC236}">
+                <a16:creationId xmlns:a16="http://schemas.microsoft.com/office/drawing/2014/main" id="{FE138E84-FE34-45BA-B948-5CEF2673D2C2}"/>
+              </a:ext>
+            </a:extLst>
+          </p:cNvPr>
+          <p:cNvSpPr/>
+          <p:nvPr/>
+        </p:nvSpPr>
+        <p:spPr>
+          <a:xfrm>
+            <a:off x="3082583" y="5950263"/>
+            <a:ext cx="1688123" cy="661182"/>
+          </a:xfrm>
+          <a:prstGeom prst="rect">
+            <a:avLst/>
+          </a:prstGeom>
+          <a:solidFill>
+            <a:schemeClr val="accent2">
+              <a:lumMod val="60000"/>
+              <a:lumOff val="40000"/>
+            </a:schemeClr>
+          </a:solidFill>
+        </p:spPr>
+        <p:style>
+          <a:lnRef idx="2">
+            <a:schemeClr val="accent1">
+              <a:shade val="50000"/>
+            </a:schemeClr>
+          </a:lnRef>
+          <a:fillRef idx="1">
+            <a:schemeClr val="accent1"/>
+          </a:fillRef>
+          <a:effectRef idx="0">
+            <a:schemeClr val="accent1"/>
+          </a:effectRef>
+          <a:fontRef idx="minor">
+            <a:schemeClr val="lt1"/>
+          </a:fontRef>
+        </p:style>
+        <p:txBody>
+          <a:bodyPr rtlCol="0" anchor="ctr"/>
+          <a:lstStyle/>
+          <a:p>
+            <a:pPr algn="ctr"/>
+            <a:r>
+              <a:rPr lang="es-AR" dirty="0" smtClean="0"/>
+              <a:t>Web service</a:t>
+            </a:r>
+          </a:p>
+        </p:txBody>
+      </p:sp>
+      <p:cxnSp>
+        <p:nvCxnSpPr>
+          <p:cNvPr id="36" name="Conector angular 35"/>
+          <p:cNvCxnSpPr>
+            <a:stCxn id="12" idx="3"/>
+            <a:endCxn id="53" idx="0"/>
+          </p:cNvCxnSpPr>
+          <p:nvPr/>
+        </p:nvCxnSpPr>
+        <p:spPr>
+          <a:xfrm>
+            <a:off x="3001109" y="5202624"/>
+            <a:ext cx="925536" cy="747639"/>
+          </a:xfrm>
+          <a:prstGeom prst="bentConnector2">
+            <a:avLst/>
+          </a:prstGeom>
+          <a:ln>
+            <a:tailEnd type="triangle"/>
+          </a:ln>
+        </p:spPr>
+        <p:style>
+          <a:lnRef idx="1">
+            <a:schemeClr val="accent1"/>
+          </a:lnRef>
+          <a:fillRef idx="0">
+            <a:schemeClr val="accent1"/>
+          </a:fillRef>
+          <a:effectRef idx="0">
+            <a:schemeClr val="accent1"/>
+          </a:effectRef>
+          <a:fontRef idx="minor">
+            <a:schemeClr val="tx1"/>
+          </a:fontRef>
+        </p:style>
+      </p:cxnSp>
+      <p:cxnSp>
+        <p:nvCxnSpPr>
+          <p:cNvPr id="55" name="Conector angular 54"/>
+          <p:cNvCxnSpPr>
+            <a:stCxn id="27" idx="0"/>
+          </p:cNvCxnSpPr>
+          <p:nvPr/>
+        </p:nvCxnSpPr>
+        <p:spPr>
+          <a:xfrm rot="5400000" flipH="1" flipV="1">
+            <a:off x="7501812" y="2964954"/>
+            <a:ext cx="125011" cy="1059762"/>
+          </a:xfrm>
+          <a:prstGeom prst="bentConnector2">
+            <a:avLst/>
+          </a:prstGeom>
+          <a:ln>
+            <a:tailEnd type="triangle"/>
+          </a:ln>
+        </p:spPr>
+        <p:style>
+          <a:lnRef idx="1">
+            <a:schemeClr val="accent1"/>
+          </a:lnRef>
+          <a:fillRef idx="0">
+            <a:schemeClr val="accent1"/>
+          </a:fillRef>
+          <a:effectRef idx="0">
+            <a:schemeClr val="accent1"/>
+          </a:effectRef>
+          <a:fontRef idx="minor">
+            <a:schemeClr val="tx1"/>
+          </a:fontRef>
+        </p:style>
+      </p:cxnSp>
+      <p:cxnSp>
+        <p:nvCxnSpPr>
+          <p:cNvPr id="63" name="Conector angular 62"/>
+          <p:cNvCxnSpPr>
+            <a:stCxn id="49" idx="1"/>
+            <a:endCxn id="27" idx="3"/>
+          </p:cNvCxnSpPr>
+          <p:nvPr/>
+        </p:nvCxnSpPr>
+        <p:spPr>
+          <a:xfrm rot="10800000">
+            <a:off x="7248969" y="3722636"/>
+            <a:ext cx="934323" cy="1590426"/>
+          </a:xfrm>
+          <a:prstGeom prst="bentConnector3">
+            <a:avLst/>
+          </a:prstGeom>
+          <a:ln>
+            <a:tailEnd type="triangle"/>
+          </a:ln>
+        </p:spPr>
+        <p:style>
+          <a:lnRef idx="1">
+            <a:schemeClr val="accent1"/>
+          </a:lnRef>
+          <a:fillRef idx="0">
+            <a:schemeClr val="accent1"/>
+          </a:fillRef>
+          <a:effectRef idx="0">
+            <a:schemeClr val="accent1"/>
+          </a:effectRef>
+          <a:fontRef idx="minor">
+            <a:schemeClr val="tx1"/>
+          </a:fontRef>
+        </p:style>
+      </p:cxnSp>
+      <p:sp>
+        <p:nvSpPr>
+          <p:cNvPr id="69" name="Rectangle 48">
+            <a:extLst>
+              <a:ext uri="{FF2B5EF4-FFF2-40B4-BE49-F238E27FC236}">
+                <a16:creationId xmlns:a16="http://schemas.microsoft.com/office/drawing/2014/main" id="{0BCB4B01-E78D-46B3-8985-A4727C2059BE}"/>
+              </a:ext>
+            </a:extLst>
+          </p:cNvPr>
+          <p:cNvSpPr/>
+          <p:nvPr/>
+        </p:nvSpPr>
+        <p:spPr>
+          <a:xfrm>
+            <a:off x="4698025" y="4893071"/>
+            <a:ext cx="1688123" cy="661182"/>
+          </a:xfrm>
+          <a:prstGeom prst="rect">
+            <a:avLst/>
+          </a:prstGeom>
+          <a:solidFill>
+            <a:schemeClr val="accent5">
+              <a:lumMod val="75000"/>
+            </a:schemeClr>
+          </a:solidFill>
+        </p:spPr>
+        <p:style>
+          <a:lnRef idx="2">
+            <a:schemeClr val="accent1">
+              <a:shade val="50000"/>
+            </a:schemeClr>
+          </a:lnRef>
+          <a:fillRef idx="1">
+            <a:schemeClr val="accent1"/>
+          </a:fillRef>
+          <a:effectRef idx="0">
+            <a:schemeClr val="accent1"/>
+          </a:effectRef>
+          <a:fontRef idx="minor">
+            <a:schemeClr val="lt1"/>
+          </a:fontRef>
+        </p:style>
+        <p:txBody>
+          <a:bodyPr rtlCol="0" anchor="ctr"/>
+          <a:lstStyle/>
+          <a:p>
+            <a:pPr algn="ctr"/>
+            <a:r>
+              <a:rPr lang="es-AR" dirty="0" smtClean="0"/>
+              <a:t>BlueTooth</a:t>
+            </a:r>
+            <a:endParaRPr lang="es-AR" dirty="0"/>
+          </a:p>
+        </p:txBody>
+      </p:sp>
+      <p:cxnSp>
+        <p:nvCxnSpPr>
+          <p:cNvPr id="67" name="Conector recto de flecha 66"/>
+          <p:cNvCxnSpPr>
+            <a:stCxn id="69" idx="0"/>
+          </p:cNvCxnSpPr>
+          <p:nvPr/>
+        </p:nvCxnSpPr>
+        <p:spPr>
+          <a:xfrm flipH="1" flipV="1">
+            <a:off x="5523328" y="4093698"/>
+            <a:ext cx="18759" cy="799373"/>
+          </a:xfrm>
+          <a:prstGeom prst="straightConnector1">
+            <a:avLst/>
+          </a:prstGeom>
+          <a:ln>
+            <a:tailEnd type="triangle"/>
+          </a:ln>
+        </p:spPr>
+        <p:style>
+          <a:lnRef idx="1">
+            <a:schemeClr val="accent1"/>
+          </a:lnRef>
+          <a:fillRef idx="0">
+            <a:schemeClr val="accent1"/>
+          </a:fillRef>
+          <a:effectRef idx="0">
+            <a:schemeClr val="accent1"/>
+          </a:effectRef>
+          <a:fontRef idx="minor">
+            <a:schemeClr val="tx1"/>
+          </a:fontRef>
+        </p:style>
+      </p:cxnSp>
+      <p:cxnSp>
+        <p:nvCxnSpPr>
+          <p:cNvPr id="70" name="Conector recto de flecha 69"/>
+          <p:cNvCxnSpPr/>
+          <p:nvPr/>
+        </p:nvCxnSpPr>
+        <p:spPr>
+          <a:xfrm flipV="1">
+            <a:off x="6060830" y="5554253"/>
+            <a:ext cx="0" cy="396010"/>
+          </a:xfrm>
+          <a:prstGeom prst="straightConnector1">
+            <a:avLst/>
+          </a:prstGeom>
+          <a:ln>
+            <a:tailEnd type="triangle"/>
+          </a:ln>
+        </p:spPr>
+        <p:style>
+          <a:lnRef idx="1">
+            <a:schemeClr val="accent1"/>
+          </a:lnRef>
+          <a:fillRef idx="0">
+            <a:schemeClr val="accent1"/>
+          </a:fillRef>
+          <a:effectRef idx="0">
+            <a:schemeClr val="accent1"/>
+          </a:effectRef>
+          <a:fontRef idx="minor">
+            <a:schemeClr val="tx1"/>
+          </a:fontRef>
+        </p:style>
+      </p:cxnSp>
+      <p:cxnSp>
+        <p:nvCxnSpPr>
+          <p:cNvPr id="72" name="Conector recto de flecha 71"/>
+          <p:cNvCxnSpPr>
+            <a:stCxn id="11" idx="1"/>
+            <a:endCxn id="53" idx="3"/>
+          </p:cNvCxnSpPr>
+          <p:nvPr/>
+        </p:nvCxnSpPr>
+        <p:spPr>
+          <a:xfrm flipH="1" flipV="1">
+            <a:off x="4770706" y="6280854"/>
+            <a:ext cx="842108" cy="17553"/>
+          </a:xfrm>
+          <a:prstGeom prst="straightConnector1">
+            <a:avLst/>
+          </a:prstGeom>
+          <a:ln>
+            <a:tailEnd type="triangle"/>
+          </a:ln>
+        </p:spPr>
+        <p:style>
+          <a:lnRef idx="1">
+            <a:schemeClr val="accent1"/>
+          </a:lnRef>
+          <a:fillRef idx="0">
+            <a:schemeClr val="accent1"/>
+          </a:fillRef>
+          <a:effectRef idx="0">
+            <a:schemeClr val="accent1"/>
+          </a:effectRef>
+          <a:fontRef idx="minor">
+            <a:schemeClr val="tx1"/>
+          </a:fontRef>
+        </p:style>
+      </p:cxnSp>
+      <p:cxnSp>
+        <p:nvCxnSpPr>
+          <p:cNvPr id="74" name="Conector recto de flecha 73"/>
+          <p:cNvCxnSpPr/>
+          <p:nvPr/>
+        </p:nvCxnSpPr>
+        <p:spPr>
+          <a:xfrm>
+            <a:off x="5219112" y="4093698"/>
+            <a:ext cx="0" cy="799373"/>
+          </a:xfrm>
+          <a:prstGeom prst="straightConnector1">
+            <a:avLst/>
+          </a:prstGeom>
+          <a:ln>
+            <a:tailEnd type="triangle"/>
+          </a:ln>
+        </p:spPr>
+        <p:style>
+          <a:lnRef idx="1">
+            <a:schemeClr val="accent1"/>
+          </a:lnRef>
+          <a:fillRef idx="0">
+            <a:schemeClr val="accent1"/>
+          </a:fillRef>
+          <a:effectRef idx="0">
+            <a:schemeClr val="accent1"/>
+          </a:effectRef>
+          <a:fontRef idx="minor">
+            <a:schemeClr val="tx1"/>
+          </a:fontRef>
+        </p:style>
+      </p:cxnSp>
+      <p:cxnSp>
+        <p:nvCxnSpPr>
+          <p:cNvPr id="76" name="Conector recto de flecha 75"/>
+          <p:cNvCxnSpPr/>
+          <p:nvPr/>
+        </p:nvCxnSpPr>
+        <p:spPr>
+          <a:xfrm>
+            <a:off x="5875607" y="5554253"/>
+            <a:ext cx="0" cy="396010"/>
+          </a:xfrm>
+          <a:prstGeom prst="straightConnector1">
+            <a:avLst/>
+          </a:prstGeom>
+          <a:ln>
+            <a:tailEnd type="triangle"/>
+          </a:ln>
+        </p:spPr>
+        <p:style>
+          <a:lnRef idx="1">
+            <a:schemeClr val="accent1"/>
+          </a:lnRef>
+          <a:fillRef idx="0">
+            <a:schemeClr val="accent1"/>
+          </a:fillRef>
+          <a:effectRef idx="0">
+            <a:schemeClr val="accent1"/>
+          </a:effectRef>
+          <a:fontRef idx="minor">
+            <a:schemeClr val="tx1"/>
+          </a:fontRef>
+        </p:style>
+      </p:cxnSp>
+      <p:cxnSp>
+        <p:nvCxnSpPr>
+          <p:cNvPr id="80" name="Conector recto de flecha 79"/>
+          <p:cNvCxnSpPr/>
+          <p:nvPr/>
+        </p:nvCxnSpPr>
+        <p:spPr>
+          <a:xfrm flipV="1">
+            <a:off x="4770706" y="6489700"/>
+            <a:ext cx="842108" cy="12700"/>
+          </a:xfrm>
+          <a:prstGeom prst="straightConnector1">
+            <a:avLst/>
+          </a:prstGeom>
+          <a:ln>
+            <a:tailEnd type="triangle"/>
+          </a:ln>
+        </p:spPr>
+        <p:style>
+          <a:lnRef idx="1">
+            <a:schemeClr val="accent1"/>
+          </a:lnRef>
+          <a:fillRef idx="0">
+            <a:schemeClr val="accent1"/>
+          </a:fillRef>
+          <a:effectRef idx="0">
+            <a:schemeClr val="accent1"/>
+          </a:effectRef>
+          <a:fontRef idx="minor">
+            <a:schemeClr val="tx1"/>
+          </a:fontRef>
+        </p:style>
+      </p:cxnSp>
+      <p:cxnSp>
+        <p:nvCxnSpPr>
+          <p:cNvPr id="85" name="Conector angular 84"/>
+          <p:cNvCxnSpPr>
+            <a:stCxn id="53" idx="1"/>
+            <a:endCxn id="12" idx="2"/>
+          </p:cNvCxnSpPr>
+          <p:nvPr/>
+        </p:nvCxnSpPr>
+        <p:spPr>
+          <a:xfrm rot="10800000">
+            <a:off x="2576735" y="5498046"/>
+            <a:ext cx="505849" cy="782809"/>
           </a:xfrm>
           <a:prstGeom prst="bentConnector2">
             <a:avLst/>
@@ -6000,6 +6181,13 @@
   <p:clrMapOvr>
     <a:masterClrMapping/>
   </p:clrMapOvr>
+  <p:timing>
+    <p:tnLst>
+      <p:par>
+        <p:cTn id="1" dur="indefinite" restart="never" nodeType="tmRoot"/>
+      </p:par>
+    </p:tnLst>
+  </p:timing>
 </p:sld>
 </file>
 
@@ -6464,6 +6652,13 @@
   <p:clrMapOvr>
     <a:masterClrMapping/>
   </p:clrMapOvr>
+  <p:timing>
+    <p:tnLst>
+      <p:par>
+        <p:cTn id="1" dur="indefinite" restart="never" nodeType="tmRoot"/>
+      </p:par>
+    </p:tnLst>
+  </p:timing>
 </p:sld>
 </file>
 
